--- a/StaticToolsComparativeAnalysis.pptx
+++ b/StaticToolsComparativeAnalysis.pptx
@@ -5,7 +5,7 @@
     <p:sldMasterId id="2147483668" r:id="rId1"/>
   </p:sldMasterIdLst>
   <p:notesMasterIdLst>
-    <p:notesMasterId r:id="rId16"/>
+    <p:notesMasterId r:id="rId17"/>
   </p:notesMasterIdLst>
   <p:sldIdLst>
     <p:sldId id="256" r:id="rId2"/>
@@ -19,26 +19,27 @@
     <p:sldId id="261" r:id="rId10"/>
     <p:sldId id="283" r:id="rId11"/>
     <p:sldId id="294" r:id="rId12"/>
-    <p:sldId id="262" r:id="rId13"/>
-    <p:sldId id="260" r:id="rId14"/>
-    <p:sldId id="281" r:id="rId15"/>
+    <p:sldId id="295" r:id="rId13"/>
+    <p:sldId id="262" r:id="rId14"/>
+    <p:sldId id="260" r:id="rId15"/>
+    <p:sldId id="281" r:id="rId16"/>
   </p:sldIdLst>
   <p:sldSz cx="9144000" cy="5143500" type="screen16x9"/>
   <p:notesSz cx="6858000" cy="9144000"/>
   <p:embeddedFontLst>
     <p:embeddedFont>
-      <p:font typeface="Muli" panose="020B0604020202020204" charset="0"/>
-      <p:regular r:id="rId17"/>
-      <p:bold r:id="rId18"/>
-      <p:italic r:id="rId19"/>
-      <p:boldItalic r:id="rId20"/>
+      <p:font typeface="Georgia" panose="02040502050405020303" pitchFamily="18" charset="0"/>
+      <p:regular r:id="rId18"/>
+      <p:bold r:id="rId19"/>
+      <p:italic r:id="rId20"/>
+      <p:boldItalic r:id="rId21"/>
     </p:embeddedFont>
     <p:embeddedFont>
-      <p:font typeface="Georgia" panose="02040502050405020303" pitchFamily="18" charset="0"/>
-      <p:regular r:id="rId21"/>
-      <p:bold r:id="rId22"/>
-      <p:italic r:id="rId23"/>
-      <p:boldItalic r:id="rId24"/>
+      <p:font typeface="Muli" panose="020B0604020202020204" charset="0"/>
+      <p:regular r:id="rId22"/>
+      <p:bold r:id="rId23"/>
+      <p:italic r:id="rId24"/>
+      <p:boldItalic r:id="rId25"/>
     </p:embeddedFont>
   </p:embeddedFontLst>
   <p:defaultTextStyle>
@@ -276,10 +277,6 @@
     </p:ext>
   </p:extLst>
 </p:presentation>
-</file>
-
-<file path=ppt/revisionInfo.xml><?xml version="1.0" encoding="utf-8"?>
-<p1510:revInfo xmlns:a="http://schemas.openxmlformats.org/drawingml/2006/main" xmlns:r="http://schemas.openxmlformats.org/officeDocument/2006/relationships" xmlns:p1510="http://schemas.microsoft.com/office/powerpoint/2015/10/main"/>
 </file>
 
 <file path=ppt/notesMasters/notesMaster1.xml><?xml version="1.0" encoding="utf-8"?>
@@ -815,7 +812,22 @@
             </a:pPr>
             <a:r>
               <a:rPr lang="en-US" dirty="0"/>
-              <a:t>Static Code analysis, a type of white-box testing. Just because something works, quality is still an issue.</a:t>
+              <a:t>Static Code analysis, a type of white-box testing.</a:t>
+            </a:r>
+          </a:p>
+          <a:p>
+            <a:pPr marL="0" lvl="0" indent="0">
+              <a:spcBef>
+                <a:spcPts val="0"/>
+              </a:spcBef>
+              <a:spcAft>
+                <a:spcPts val="0"/>
+              </a:spcAft>
+              <a:buNone/>
+            </a:pPr>
+            <a:r>
+              <a:rPr lang="en-US" dirty="0"/>
+              <a:t>Just because anything works, it doesn’t mean its write. See the quote.</a:t>
             </a:r>
             <a:endParaRPr dirty="0"/>
           </a:p>
@@ -938,7 +950,15 @@
             </a:pPr>
             <a:r>
               <a:rPr lang="en-US" dirty="0"/>
-              <a:t>Integration with sonarqube server after 2.0.x version. (Window-&gt;show view-&gt;sonarqube server-&gt;Connect to sonarqube server).</a:t>
+              <a:t>Integration with sonarqube server after 2.0.x version of </a:t>
+            </a:r>
+            <a:r>
+              <a:rPr lang="en-US" dirty="0" err="1"/>
+              <a:t>sonarlint</a:t>
+            </a:r>
+            <a:r>
+              <a:rPr lang="en-US" dirty="0"/>
+              <a:t>. (Window-&gt;show view-&gt;sonarqube server-&gt;Connect to sonarqube server).</a:t>
             </a:r>
           </a:p>
           <a:p>
@@ -1246,6 +1266,29 @@
               <a:rPr lang="en-US" dirty="0"/>
               <a:t>Power of this tool to specify some behavior at runtime that will be desirable, &amp; that behavior has resulted as an effort by the developer.</a:t>
             </a:r>
+          </a:p>
+          <a:p>
+            <a:pPr marL="0" lvl="0" indent="0">
+              <a:spcBef>
+                <a:spcPts val="0"/>
+              </a:spcBef>
+              <a:spcAft>
+                <a:spcPts val="0"/>
+              </a:spcAft>
+              <a:buNone/>
+            </a:pPr>
+            <a:r>
+              <a:rPr lang="en-US" dirty="0"/>
+              <a:t>SonarQube utilization with CI systems to check violations in codes &amp;  a comparison violation approach b/w two different versions of </a:t>
+            </a:r>
+            <a:r>
+              <a:rPr lang="en-US" dirty="0" err="1"/>
+              <a:t>softwares</a:t>
+            </a:r>
+            <a:r>
+              <a:rPr lang="en-US" dirty="0"/>
+              <a:t>.</a:t>
+            </a:r>
             <a:endParaRPr dirty="0"/>
           </a:p>
         </p:txBody>
@@ -1819,7 +1862,7 @@
             </a:pPr>
             <a:r>
               <a:rPr lang="en-US" dirty="0"/>
-              <a:t>CheckStyle : Conventions</a:t>
+              <a:t>CheckStyle : Conventions &amp; Code Layout. With metric analysis</a:t>
             </a:r>
           </a:p>
           <a:p>
@@ -1834,7 +1877,7 @@
             </a:pPr>
             <a:r>
               <a:rPr lang="en-US" dirty="0"/>
-              <a:t>PMD : Bad Practices</a:t>
+              <a:t>PMD : Bad Practices, With Strong Design Analysis. Meaningful &amp; Important Messages.</a:t>
             </a:r>
           </a:p>
           <a:p>
@@ -1849,7 +1892,7 @@
             </a:pPr>
             <a:r>
               <a:rPr lang="en-US" dirty="0"/>
-              <a:t>Findbugs : Removal of Potential Bugs</a:t>
+              <a:t>Findbugs : Removal of Potential Bugs.</a:t>
             </a:r>
           </a:p>
           <a:p>
@@ -1864,7 +1907,7 @@
             </a:pPr>
             <a:r>
               <a:rPr lang="en-US" dirty="0"/>
-              <a:t>CheckerFramework : Complete bug removal process, verification.</a:t>
+              <a:t>CheckerFramework : Complete bug removal process, verification. Catch Runtime Exceptions at Compile time.</a:t>
             </a:r>
             <a:endParaRPr dirty="0"/>
           </a:p>
@@ -1970,7 +2013,164 @@
               </a:spcAft>
               <a:buNone/>
             </a:pPr>
-            <a:endParaRPr/>
+            <a:r>
+              <a:rPr lang="en-US" dirty="0"/>
+              <a:t>Usage depends on the type of projects &amp; different criteria depending upon needs.</a:t>
+            </a:r>
+          </a:p>
+          <a:p>
+            <a:pPr marL="0" lvl="0" indent="0">
+              <a:spcBef>
+                <a:spcPts val="0"/>
+              </a:spcBef>
+              <a:spcAft>
+                <a:spcPts val="0"/>
+              </a:spcAft>
+              <a:buNone/>
+            </a:pPr>
+            <a:r>
+              <a:rPr lang="en-US" dirty="0"/>
+              <a:t>Some of them are:</a:t>
+            </a:r>
+          </a:p>
+          <a:p>
+            <a:pPr marL="171450" lvl="0" indent="-171450">
+              <a:spcBef>
+                <a:spcPts val="0"/>
+              </a:spcBef>
+              <a:spcAft>
+                <a:spcPts val="0"/>
+              </a:spcAft>
+              <a:buFont typeface="Wingdings" panose="05000000000000000000" pitchFamily="2" charset="2"/>
+              <a:buChar char="à"/>
+            </a:pPr>
+            <a:r>
+              <a:rPr lang="en-US" dirty="0">
+                <a:sym typeface="Wingdings" panose="05000000000000000000" pitchFamily="2" charset="2"/>
+              </a:rPr>
+              <a:t>Scale of project.</a:t>
+            </a:r>
+          </a:p>
+          <a:p>
+            <a:pPr marL="171450" lvl="0" indent="-171450">
+              <a:spcBef>
+                <a:spcPts val="0"/>
+              </a:spcBef>
+              <a:spcAft>
+                <a:spcPts val="0"/>
+              </a:spcAft>
+              <a:buFont typeface="Wingdings" panose="05000000000000000000" pitchFamily="2" charset="2"/>
+              <a:buChar char="à"/>
+            </a:pPr>
+            <a:r>
+              <a:rPr lang="en-US" dirty="0">
+                <a:sym typeface="Wingdings" panose="05000000000000000000" pitchFamily="2" charset="2"/>
+              </a:rPr>
+              <a:t>Team localization.</a:t>
+            </a:r>
+          </a:p>
+          <a:p>
+            <a:pPr marL="171450" lvl="0" indent="-171450">
+              <a:spcBef>
+                <a:spcPts val="0"/>
+              </a:spcBef>
+              <a:spcAft>
+                <a:spcPts val="0"/>
+              </a:spcAft>
+              <a:buFont typeface="Wingdings" panose="05000000000000000000" pitchFamily="2" charset="2"/>
+              <a:buChar char="à"/>
+            </a:pPr>
+            <a:r>
+              <a:rPr lang="en-US" dirty="0">
+                <a:sym typeface="Wingdings" panose="05000000000000000000" pitchFamily="2" charset="2"/>
+              </a:rPr>
+              <a:t>Type of project: web, mobile app or enterprise application.</a:t>
+            </a:r>
+          </a:p>
+          <a:p>
+            <a:pPr marL="171450" lvl="0" indent="-171450">
+              <a:spcBef>
+                <a:spcPts val="0"/>
+              </a:spcBef>
+              <a:spcAft>
+                <a:spcPts val="0"/>
+              </a:spcAft>
+              <a:buFont typeface="Wingdings" panose="05000000000000000000" pitchFamily="2" charset="2"/>
+              <a:buChar char="à"/>
+            </a:pPr>
+            <a:r>
+              <a:rPr lang="en-US" dirty="0">
+                <a:sym typeface="Wingdings" panose="05000000000000000000" pitchFamily="2" charset="2"/>
+              </a:rPr>
+              <a:t>Trend analysis needed or not.</a:t>
+            </a:r>
+          </a:p>
+          <a:p>
+            <a:pPr marL="171450" lvl="0" indent="-171450">
+              <a:spcBef>
+                <a:spcPts val="0"/>
+              </a:spcBef>
+              <a:spcAft>
+                <a:spcPts val="0"/>
+              </a:spcAft>
+              <a:buFont typeface="Wingdings" panose="05000000000000000000" pitchFamily="2" charset="2"/>
+              <a:buChar char="à"/>
+            </a:pPr>
+            <a:r>
+              <a:rPr lang="en-US" dirty="0">
+                <a:sym typeface="Wingdings" panose="05000000000000000000" pitchFamily="2" charset="2"/>
+              </a:rPr>
+              <a:t>Number jar dependencies &amp; other dependencies.</a:t>
+            </a:r>
+          </a:p>
+          <a:p>
+            <a:pPr marL="171450" lvl="0" indent="-171450">
+              <a:spcBef>
+                <a:spcPts val="0"/>
+              </a:spcBef>
+              <a:spcAft>
+                <a:spcPts val="0"/>
+              </a:spcAft>
+              <a:buFont typeface="Wingdings" panose="05000000000000000000" pitchFamily="2" charset="2"/>
+              <a:buChar char="à"/>
+            </a:pPr>
+            <a:r>
+              <a:rPr lang="en-US" dirty="0">
+                <a:sym typeface="Wingdings" panose="05000000000000000000" pitchFamily="2" charset="2"/>
+              </a:rPr>
+              <a:t>Integrations with deployment &amp; CI tools.</a:t>
+            </a:r>
+          </a:p>
+          <a:p>
+            <a:pPr marL="171450" lvl="0" indent="-171450">
+              <a:spcBef>
+                <a:spcPts val="0"/>
+              </a:spcBef>
+              <a:spcAft>
+                <a:spcPts val="0"/>
+              </a:spcAft>
+              <a:buFont typeface="Wingdings" panose="05000000000000000000" pitchFamily="2" charset="2"/>
+              <a:buChar char="à"/>
+            </a:pPr>
+            <a:r>
+              <a:rPr lang="en-US" dirty="0">
+                <a:sym typeface="Wingdings" panose="05000000000000000000" pitchFamily="2" charset="2"/>
+              </a:rPr>
+              <a:t>Strength of issues raised &amp; percentage of important messages.</a:t>
+            </a:r>
+          </a:p>
+          <a:p>
+            <a:pPr marL="171450" lvl="0" indent="-171450">
+              <a:spcBef>
+                <a:spcPts val="0"/>
+              </a:spcBef>
+              <a:spcAft>
+                <a:spcPts val="0"/>
+              </a:spcAft>
+              <a:buFont typeface="Wingdings" panose="05000000000000000000" pitchFamily="2" charset="2"/>
+              <a:buChar char="à"/>
+            </a:pPr>
+            <a:endParaRPr dirty="0"/>
           </a:p>
         </p:txBody>
       </p:sp>
@@ -2268,30 +2468,53 @@
           <a:bodyPr/>
           <a:lstStyle/>
           <a:p>
-            <a:pPr marL="139700" indent="0">
-              <a:buNone/>
+            <a:pPr marL="139700" marR="0" lvl="0" indent="0" algn="l" defTabSz="914400" rtl="0" eaLnBrk="1" fontAlgn="auto" latinLnBrk="0" hangingPunct="1">
+              <a:lnSpc>
+                <a:spcPct val="100000"/>
+              </a:lnSpc>
+              <a:spcBef>
+                <a:spcPts val="0"/>
+              </a:spcBef>
+              <a:spcAft>
+                <a:spcPts val="0"/>
+              </a:spcAft>
+              <a:buClr>
+                <a:srgbClr val="000000"/>
+              </a:buClr>
+              <a:buSzPts val="1400"/>
+              <a:buFont typeface="Arial"/>
+              <a:buNone/>
+              <a:tabLst/>
+              <a:defRPr/>
             </a:pPr>
             <a:r>
               <a:rPr lang="en-US" dirty="0"/>
-              <a:t>In case of missing rule from our custom xml file, pmd won’t be able to start analysis.</a:t>
-            </a:r>
-          </a:p>
-          <a:p>
-            <a:pPr marL="139700" indent="0">
-              <a:buNone/>
+              <a:t>In PMD, issue descriptions tells about the problems &amp; also provides example, to correct that issue.</a:t>
+            </a:r>
+          </a:p>
+          <a:p>
+            <a:pPr marL="139700" marR="0" lvl="0" indent="0" algn="l" defTabSz="914400" rtl="0" eaLnBrk="1" fontAlgn="auto" latinLnBrk="0" hangingPunct="1">
+              <a:lnSpc>
+                <a:spcPct val="100000"/>
+              </a:lnSpc>
+              <a:spcBef>
+                <a:spcPts val="0"/>
+              </a:spcBef>
+              <a:spcAft>
+                <a:spcPts val="0"/>
+              </a:spcAft>
+              <a:buClr>
+                <a:srgbClr val="000000"/>
+              </a:buClr>
+              <a:buSzPts val="1400"/>
+              <a:buFont typeface="Arial"/>
+              <a:buNone/>
+              <a:tabLst/>
+              <a:defRPr/>
             </a:pPr>
             <a:r>
               <a:rPr lang="en-US" dirty="0"/>
-              <a:t>---</a:t>
-            </a:r>
-          </a:p>
-          <a:p>
-            <a:pPr marL="139700" indent="0">
-              <a:buNone/>
-            </a:pPr>
-            <a:r>
-              <a:rPr lang="en-US" dirty="0"/>
-              <a:t>CLI &amp; Eclipse file analysis needed to be done.</a:t>
+              <a:t>Strong analysis of code done by it, &amp; integrations with Jenkins deployment tool.</a:t>
             </a:r>
           </a:p>
           <a:p>
@@ -8833,6 +9056,522 @@
 <file path=ppt/slides/slide12.xml><?xml version="1.0" encoding="utf-8"?>
 <p:sld xmlns:a="http://schemas.openxmlformats.org/drawingml/2006/main" xmlns:r="http://schemas.openxmlformats.org/officeDocument/2006/relationships" xmlns:p="http://schemas.openxmlformats.org/presentationml/2006/main">
   <p:cSld>
+    <p:spTree>
+      <p:nvGrpSpPr>
+        <p:cNvPr id="1" name=""/>
+        <p:cNvGrpSpPr/>
+        <p:nvPr/>
+      </p:nvGrpSpPr>
+      <p:grpSpPr>
+        <a:xfrm>
+          <a:off x="0" y="0"/>
+          <a:ext cx="0" cy="0"/>
+          <a:chOff x="0" y="0"/>
+          <a:chExt cx="0" cy="0"/>
+        </a:xfrm>
+      </p:grpSpPr>
+      <p:sp>
+        <p:nvSpPr>
+          <p:cNvPr id="4" name="Slide Number Placeholder 3">
+            <a:extLst>
+              <a:ext uri="{FF2B5EF4-FFF2-40B4-BE49-F238E27FC236}">
+                <a16:creationId xmlns:a16="http://schemas.microsoft.com/office/drawing/2014/main" id="{3733001C-D40D-4639-91FE-502A27DC98C9}"/>
+              </a:ext>
+            </a:extLst>
+          </p:cNvPr>
+          <p:cNvSpPr>
+            <a:spLocks noGrp="1"/>
+          </p:cNvSpPr>
+          <p:nvPr>
+            <p:ph type="sldNum" idx="12"/>
+          </p:nvPr>
+        </p:nvSpPr>
+        <p:spPr/>
+        <p:txBody>
+          <a:bodyPr/>
+          <a:lstStyle/>
+          <a:p>
+            <a:pPr marL="0" lvl="0" indent="0">
+              <a:spcBef>
+                <a:spcPts val="0"/>
+              </a:spcBef>
+              <a:spcAft>
+                <a:spcPts val="0"/>
+              </a:spcAft>
+              <a:buNone/>
+            </a:pPr>
+            <a:fld id="{00000000-1234-1234-1234-123412341234}" type="slidenum">
+              <a:rPr lang="en" smtClean="0"/>
+              <a:t>12</a:t>
+            </a:fld>
+            <a:endParaRPr lang="en"/>
+          </a:p>
+        </p:txBody>
+      </p:sp>
+      <p:sp>
+        <p:nvSpPr>
+          <p:cNvPr id="5" name="Title 1">
+            <a:extLst>
+              <a:ext uri="{FF2B5EF4-FFF2-40B4-BE49-F238E27FC236}">
+                <a16:creationId xmlns:a16="http://schemas.microsoft.com/office/drawing/2014/main" id="{0C6FAC6B-AA0D-4794-B937-7BA6E71002EA}"/>
+              </a:ext>
+            </a:extLst>
+          </p:cNvPr>
+          <p:cNvSpPr>
+            <a:spLocks noGrp="1"/>
+          </p:cNvSpPr>
+          <p:nvPr>
+            <p:ph type="title"/>
+          </p:nvPr>
+        </p:nvSpPr>
+        <p:spPr>
+          <a:xfrm>
+            <a:off x="2410327" y="-16042"/>
+            <a:ext cx="6701589" cy="661570"/>
+          </a:xfrm>
+        </p:spPr>
+        <p:txBody>
+          <a:bodyPr>
+            <a:normAutofit/>
+          </a:bodyPr>
+          <a:lstStyle/>
+          <a:p>
+            <a:r>
+              <a:rPr lang="en-US" sz="2400" dirty="0">
+                <a:solidFill>
+                  <a:schemeClr val="bg1"/>
+                </a:solidFill>
+                <a:latin typeface="Muli" panose="020B0604020202020204" charset="0"/>
+              </a:rPr>
+              <a:t>Introduction : Tools &amp; Major Feature of Each</a:t>
+            </a:r>
+          </a:p>
+        </p:txBody>
+      </p:sp>
+      <p:sp>
+        <p:nvSpPr>
+          <p:cNvPr id="6" name="Content Placeholder 2">
+            <a:extLst>
+              <a:ext uri="{FF2B5EF4-FFF2-40B4-BE49-F238E27FC236}">
+                <a16:creationId xmlns:a16="http://schemas.microsoft.com/office/drawing/2014/main" id="{5B83DD00-781A-4FC8-9F5A-07BB510A1E9A}"/>
+              </a:ext>
+            </a:extLst>
+          </p:cNvPr>
+          <p:cNvSpPr txBox="1">
+            <a:spLocks/>
+          </p:cNvSpPr>
+          <p:nvPr/>
+        </p:nvSpPr>
+        <p:spPr>
+          <a:xfrm>
+            <a:off x="2410326" y="645528"/>
+            <a:ext cx="6466973" cy="4301123"/>
+          </a:xfrm>
+          <a:prstGeom prst="rect">
+            <a:avLst/>
+          </a:prstGeom>
+          <a:noFill/>
+          <a:ln>
+            <a:noFill/>
+          </a:ln>
+        </p:spPr>
+        <p:txBody>
+          <a:bodyPr spcFirstLastPara="1" wrap="square" lIns="91425" tIns="91425" rIns="91425" bIns="91425" anchor="t" anchorCtr="0">
+            <a:normAutofit fontScale="92500" lnSpcReduction="10000"/>
+          </a:bodyPr>
+          <a:lstStyle>
+            <a:defPPr marR="0" lvl="0" algn="l" rtl="0">
+              <a:lnSpc>
+                <a:spcPct val="100000"/>
+              </a:lnSpc>
+              <a:spcBef>
+                <a:spcPts val="0"/>
+              </a:spcBef>
+              <a:spcAft>
+                <a:spcPts val="0"/>
+              </a:spcAft>
+            </a:defPPr>
+            <a:lvl1pPr marL="457200" marR="0" lvl="0" indent="-355600" algn="l" rtl="0">
+              <a:lnSpc>
+                <a:spcPct val="100000"/>
+              </a:lnSpc>
+              <a:spcBef>
+                <a:spcPts val="0"/>
+              </a:spcBef>
+              <a:spcAft>
+                <a:spcPts val="0"/>
+              </a:spcAft>
+              <a:buClr>
+                <a:srgbClr val="FFFFFF"/>
+              </a:buClr>
+              <a:buSzPts val="2000"/>
+              <a:buFont typeface="Muli"/>
+              <a:buChar char="➜"/>
+              <a:defRPr sz="2400" b="0" i="0" u="none" strike="noStrike" cap="none">
+                <a:solidFill>
+                  <a:srgbClr val="FFFFFF"/>
+                </a:solidFill>
+                <a:latin typeface="Muli"/>
+                <a:ea typeface="Muli"/>
+                <a:cs typeface="Muli"/>
+                <a:sym typeface="Muli"/>
+              </a:defRPr>
+            </a:lvl1pPr>
+            <a:lvl2pPr marL="914400" marR="0" lvl="1" indent="-342900" algn="l" rtl="0">
+              <a:lnSpc>
+                <a:spcPct val="100000"/>
+              </a:lnSpc>
+              <a:spcBef>
+                <a:spcPts val="0"/>
+              </a:spcBef>
+              <a:spcAft>
+                <a:spcPts val="0"/>
+              </a:spcAft>
+              <a:buClr>
+                <a:srgbClr val="FFFFFF"/>
+              </a:buClr>
+              <a:buSzPts val="1800"/>
+              <a:buFont typeface="Muli"/>
+              <a:buChar char="○"/>
+              <a:defRPr sz="2400" b="0" i="0" u="none" strike="noStrike" cap="none">
+                <a:solidFill>
+                  <a:srgbClr val="FFFFFF"/>
+                </a:solidFill>
+                <a:latin typeface="Muli"/>
+                <a:ea typeface="Muli"/>
+                <a:cs typeface="Muli"/>
+                <a:sym typeface="Muli"/>
+              </a:defRPr>
+            </a:lvl2pPr>
+            <a:lvl3pPr marL="1371600" marR="0" lvl="2" indent="-381000" algn="l" rtl="0">
+              <a:lnSpc>
+                <a:spcPct val="100000"/>
+              </a:lnSpc>
+              <a:spcBef>
+                <a:spcPts val="0"/>
+              </a:spcBef>
+              <a:spcAft>
+                <a:spcPts val="0"/>
+              </a:spcAft>
+              <a:buClr>
+                <a:srgbClr val="FFFFFF"/>
+              </a:buClr>
+              <a:buSzPts val="2400"/>
+              <a:buFont typeface="Muli"/>
+              <a:buChar char="■"/>
+              <a:defRPr sz="2400" b="0" i="0" u="none" strike="noStrike" cap="none">
+                <a:solidFill>
+                  <a:srgbClr val="FFFFFF"/>
+                </a:solidFill>
+                <a:latin typeface="Muli"/>
+                <a:ea typeface="Muli"/>
+                <a:cs typeface="Muli"/>
+                <a:sym typeface="Muli"/>
+              </a:defRPr>
+            </a:lvl3pPr>
+            <a:lvl4pPr marL="1828800" marR="0" lvl="3" indent="-381000" algn="l" rtl="0">
+              <a:lnSpc>
+                <a:spcPct val="100000"/>
+              </a:lnSpc>
+              <a:spcBef>
+                <a:spcPts val="0"/>
+              </a:spcBef>
+              <a:spcAft>
+                <a:spcPts val="0"/>
+              </a:spcAft>
+              <a:buClr>
+                <a:srgbClr val="FFFFFF"/>
+              </a:buClr>
+              <a:buSzPts val="2400"/>
+              <a:buFont typeface="Muli"/>
+              <a:buChar char="●"/>
+              <a:defRPr sz="2400" b="0" i="0" u="none" strike="noStrike" cap="none">
+                <a:solidFill>
+                  <a:srgbClr val="FFFFFF"/>
+                </a:solidFill>
+                <a:latin typeface="Muli"/>
+                <a:ea typeface="Muli"/>
+                <a:cs typeface="Muli"/>
+                <a:sym typeface="Muli"/>
+              </a:defRPr>
+            </a:lvl4pPr>
+            <a:lvl5pPr marL="2286000" marR="0" lvl="4" indent="-381000" algn="l" rtl="0">
+              <a:lnSpc>
+                <a:spcPct val="100000"/>
+              </a:lnSpc>
+              <a:spcBef>
+                <a:spcPts val="0"/>
+              </a:spcBef>
+              <a:spcAft>
+                <a:spcPts val="0"/>
+              </a:spcAft>
+              <a:buClr>
+                <a:srgbClr val="FFFFFF"/>
+              </a:buClr>
+              <a:buSzPts val="2400"/>
+              <a:buFont typeface="Muli"/>
+              <a:buChar char="○"/>
+              <a:defRPr sz="2400" b="0" i="0" u="none" strike="noStrike" cap="none">
+                <a:solidFill>
+                  <a:srgbClr val="FFFFFF"/>
+                </a:solidFill>
+                <a:latin typeface="Muli"/>
+                <a:ea typeface="Muli"/>
+                <a:cs typeface="Muli"/>
+                <a:sym typeface="Muli"/>
+              </a:defRPr>
+            </a:lvl5pPr>
+            <a:lvl6pPr marL="2743200" marR="0" lvl="5" indent="-381000" algn="l" rtl="0">
+              <a:lnSpc>
+                <a:spcPct val="100000"/>
+              </a:lnSpc>
+              <a:spcBef>
+                <a:spcPts val="0"/>
+              </a:spcBef>
+              <a:spcAft>
+                <a:spcPts val="0"/>
+              </a:spcAft>
+              <a:buClr>
+                <a:srgbClr val="FFFFFF"/>
+              </a:buClr>
+              <a:buSzPts val="2400"/>
+              <a:buFont typeface="Muli"/>
+              <a:buChar char="■"/>
+              <a:defRPr sz="2400" b="0" i="0" u="none" strike="noStrike" cap="none">
+                <a:solidFill>
+                  <a:srgbClr val="FFFFFF"/>
+                </a:solidFill>
+                <a:latin typeface="Muli"/>
+                <a:ea typeface="Muli"/>
+                <a:cs typeface="Muli"/>
+                <a:sym typeface="Muli"/>
+              </a:defRPr>
+            </a:lvl6pPr>
+            <a:lvl7pPr marL="3200400" marR="0" lvl="6" indent="-381000" algn="l" rtl="0">
+              <a:lnSpc>
+                <a:spcPct val="100000"/>
+              </a:lnSpc>
+              <a:spcBef>
+                <a:spcPts val="0"/>
+              </a:spcBef>
+              <a:spcAft>
+                <a:spcPts val="0"/>
+              </a:spcAft>
+              <a:buClr>
+                <a:srgbClr val="FFFFFF"/>
+              </a:buClr>
+              <a:buSzPts val="2400"/>
+              <a:buFont typeface="Muli"/>
+              <a:buChar char="●"/>
+              <a:defRPr sz="2400" b="0" i="0" u="none" strike="noStrike" cap="none">
+                <a:solidFill>
+                  <a:srgbClr val="FFFFFF"/>
+                </a:solidFill>
+                <a:latin typeface="Muli"/>
+                <a:ea typeface="Muli"/>
+                <a:cs typeface="Muli"/>
+                <a:sym typeface="Muli"/>
+              </a:defRPr>
+            </a:lvl7pPr>
+            <a:lvl8pPr marL="3657600" marR="0" lvl="7" indent="-381000" algn="l" rtl="0">
+              <a:lnSpc>
+                <a:spcPct val="100000"/>
+              </a:lnSpc>
+              <a:spcBef>
+                <a:spcPts val="0"/>
+              </a:spcBef>
+              <a:spcAft>
+                <a:spcPts val="0"/>
+              </a:spcAft>
+              <a:buClr>
+                <a:srgbClr val="FFFFFF"/>
+              </a:buClr>
+              <a:buSzPts val="2400"/>
+              <a:buFont typeface="Muli"/>
+              <a:buChar char="○"/>
+              <a:defRPr sz="2400" b="0" i="0" u="none" strike="noStrike" cap="none">
+                <a:solidFill>
+                  <a:srgbClr val="FFFFFF"/>
+                </a:solidFill>
+                <a:latin typeface="Muli"/>
+                <a:ea typeface="Muli"/>
+                <a:cs typeface="Muli"/>
+                <a:sym typeface="Muli"/>
+              </a:defRPr>
+            </a:lvl8pPr>
+            <a:lvl9pPr marL="4114800" marR="0" lvl="8" indent="-381000" algn="l" rtl="0">
+              <a:lnSpc>
+                <a:spcPct val="100000"/>
+              </a:lnSpc>
+              <a:spcBef>
+                <a:spcPts val="0"/>
+              </a:spcBef>
+              <a:spcAft>
+                <a:spcPts val="0"/>
+              </a:spcAft>
+              <a:buClr>
+                <a:srgbClr val="FFFFFF"/>
+              </a:buClr>
+              <a:buSzPts val="2400"/>
+              <a:buFont typeface="Muli"/>
+              <a:buChar char="■"/>
+              <a:defRPr sz="2400" b="0" i="0" u="none" strike="noStrike" cap="none">
+                <a:solidFill>
+                  <a:srgbClr val="FFFFFF"/>
+                </a:solidFill>
+                <a:latin typeface="Muli"/>
+                <a:ea typeface="Muli"/>
+                <a:cs typeface="Muli"/>
+                <a:sym typeface="Muli"/>
+              </a:defRPr>
+            </a:lvl9pPr>
+          </a:lstStyle>
+          <a:p>
+            <a:r>
+              <a:rPr lang="en-US" sz="1800" b="1" dirty="0">
+                <a:latin typeface="Muli" panose="020B0604020202020204" charset="0"/>
+              </a:rPr>
+              <a:t>CheckStyle</a:t>
+            </a:r>
+            <a:r>
+              <a:rPr lang="en-US" sz="1400" dirty="0">
+                <a:latin typeface="Muli" panose="020B0604020202020204" charset="0"/>
+              </a:rPr>
+              <a:t>: Sun suggested standard coding practices, Javadoc enhancements. Code layout &amp; Formatting issues with minor design issues &amp; coding metrics. Command Line &amp; Eclipse Plugin.</a:t>
+            </a:r>
+            <a:endParaRPr lang="en-US" sz="1800" b="1" dirty="0">
+              <a:latin typeface="Muli" panose="020B0604020202020204" charset="0"/>
+            </a:endParaRPr>
+          </a:p>
+          <a:p>
+            <a:r>
+              <a:rPr lang="en-US" sz="1800" b="1" dirty="0">
+                <a:latin typeface="Muli" panose="020B0604020202020204" charset="0"/>
+              </a:rPr>
+              <a:t>PMD</a:t>
+            </a:r>
+            <a:r>
+              <a:rPr lang="en-US" sz="1400" dirty="0">
+                <a:latin typeface="Muli" panose="020B0604020202020204" charset="0"/>
+              </a:rPr>
+              <a:t>: For strong design analysis, code optimizations possible, coding metrics &amp; copy-paste issues. Method suggestions, unnecessary instantiations. Command Line &amp; Eclipse Plugin. Java, JSPs, JS.</a:t>
+            </a:r>
+          </a:p>
+          <a:p>
+            <a:r>
+              <a:rPr lang="en-US" sz="1800" b="1" dirty="0">
+                <a:latin typeface="Muli" panose="020B0604020202020204" charset="0"/>
+              </a:rPr>
+              <a:t>Spot Bugs</a:t>
+            </a:r>
+            <a:r>
+              <a:rPr lang="en-US" sz="1400" dirty="0">
+                <a:latin typeface="Muli" panose="020B0604020202020204" charset="0"/>
+              </a:rPr>
+              <a:t>: Finding bugs like </a:t>
+            </a:r>
+            <a:r>
+              <a:rPr lang="en-US" sz="1400" dirty="0" err="1">
+                <a:latin typeface="Muli" panose="020B0604020202020204" charset="0"/>
+              </a:rPr>
+              <a:t>NullPointerException</a:t>
+            </a:r>
+            <a:r>
+              <a:rPr lang="en-US" sz="1400" dirty="0">
+                <a:latin typeface="Muli" panose="020B0604020202020204" charset="0"/>
+              </a:rPr>
+              <a:t>, bad practices in code. Vulnerability, Performance &amp; security analysis is there. Eclipse &amp; CLI is there. But customizations are hard &amp; not being maintained.</a:t>
+            </a:r>
+          </a:p>
+          <a:p>
+            <a:r>
+              <a:rPr lang="en-US" sz="1800" b="1" dirty="0" err="1">
+                <a:latin typeface="Muli" panose="020B0604020202020204" charset="0"/>
+              </a:rPr>
+              <a:t>CheckerFramework</a:t>
+            </a:r>
+            <a:r>
+              <a:rPr lang="en-US" sz="1400" dirty="0">
+                <a:latin typeface="Muli" panose="020B0604020202020204" charset="0"/>
+              </a:rPr>
+              <a:t>: Catches runtime exceptions at compile time, like </a:t>
+            </a:r>
+            <a:r>
+              <a:rPr lang="en-US" sz="1400" dirty="0" err="1">
+                <a:latin typeface="Muli" panose="020B0604020202020204" charset="0"/>
+              </a:rPr>
+              <a:t>NullPointerException</a:t>
+            </a:r>
+            <a:r>
+              <a:rPr lang="en-US" sz="1400" dirty="0">
+                <a:latin typeface="Muli" panose="020B0604020202020204" charset="0"/>
+              </a:rPr>
+              <a:t>, Security SQL Issues, International String Format Issues with programmers written checks on code. CLI is there only.</a:t>
+            </a:r>
+          </a:p>
+          <a:p>
+            <a:r>
+              <a:rPr lang="en-US" sz="1800" b="1" dirty="0" err="1">
+                <a:latin typeface="Muli" panose="020B0604020202020204" charset="0"/>
+              </a:rPr>
+              <a:t>Sonarlint</a:t>
+            </a:r>
+            <a:r>
+              <a:rPr lang="en-US" sz="1400" dirty="0">
+                <a:latin typeface="Muli" panose="020B0604020202020204" charset="0"/>
+              </a:rPr>
+              <a:t>: Tools points out possible bugs, design issues, complexity issues &amp; complies with OWASP, SANS Top 25, CERT etc. Standards. Good tool for web applications. Eclipse Plugin, with connectivity with SonarQube available.</a:t>
+            </a:r>
+          </a:p>
+          <a:p>
+            <a:r>
+              <a:rPr lang="en-US" sz="1800" b="1" dirty="0">
+                <a:latin typeface="Muli" panose="020B0604020202020204" charset="0"/>
+              </a:rPr>
+              <a:t>SonarQube</a:t>
+            </a:r>
+            <a:r>
+              <a:rPr lang="en-US" sz="1400" dirty="0">
+                <a:latin typeface="Muli" panose="020B0604020202020204" charset="0"/>
+              </a:rPr>
+              <a:t>: Also needs sonar-scanner with to scan code &amp; generate reports. Covers wide number of languages, can sync rules for multiple </a:t>
+            </a:r>
+            <a:r>
+              <a:rPr lang="en-US" sz="1400" dirty="0" err="1">
+                <a:latin typeface="Muli" panose="020B0604020202020204" charset="0"/>
+              </a:rPr>
+              <a:t>Sonarlints</a:t>
+            </a:r>
+            <a:r>
+              <a:rPr lang="en-US" sz="1400" dirty="0">
+                <a:latin typeface="Muli" panose="020B0604020202020204" charset="0"/>
+              </a:rPr>
+              <a:t>. Integration with Jenkins is possible as plugin.</a:t>
+            </a:r>
+          </a:p>
+          <a:p>
+            <a:endParaRPr lang="en-US" sz="1400" dirty="0">
+              <a:latin typeface="Muli" panose="020B0604020202020204" charset="0"/>
+            </a:endParaRPr>
+          </a:p>
+        </p:txBody>
+      </p:sp>
+    </p:spTree>
+    <p:extLst>
+      <p:ext uri="{BB962C8B-B14F-4D97-AF65-F5344CB8AC3E}">
+        <p14:creationId xmlns:p14="http://schemas.microsoft.com/office/powerpoint/2010/main" val="652707635"/>
+      </p:ext>
+    </p:extLst>
+  </p:cSld>
+  <p:clrMapOvr>
+    <a:masterClrMapping/>
+  </p:clrMapOvr>
+</p:sld>
+</file>
+
+<file path=ppt/slides/slide13.xml><?xml version="1.0" encoding="utf-8"?>
+<p:sld xmlns:a="http://schemas.openxmlformats.org/drawingml/2006/main" xmlns:r="http://schemas.openxmlformats.org/officeDocument/2006/relationships" xmlns:p="http://schemas.openxmlformats.org/presentationml/2006/main">
+  <p:cSld>
     <p:bg>
       <p:bgPr>
         <a:blipFill>
@@ -8956,7 +9695,7 @@
         </p:nvSpPr>
         <p:spPr>
           <a:xfrm>
-            <a:off x="2696309" y="3409588"/>
+            <a:off x="2696309" y="3295288"/>
             <a:ext cx="3739660" cy="1619612"/>
           </a:xfrm>
           <a:prstGeom prst="rect">
@@ -8992,7 +9731,7 @@
                 <a:cs typeface="Muli"/>
                 <a:sym typeface="Muli"/>
               </a:rPr>
-              <a:t>Customized SonarLint with custom rules written on SonarQube CI for standardization.</a:t>
+              <a:t>Customized SonarLint with custom rules written on SonarQube server CI for standardization.</a:t>
             </a:r>
           </a:p>
           <a:p>
@@ -9035,7 +9774,7 @@
                 <a:cs typeface="Muli"/>
                 <a:sym typeface="Muli"/>
               </a:rPr>
-              <a:t>CheckerFramework type systems for verification of code flaws.</a:t>
+              <a:t>CheckerFramework type systems for verification of code flaws at compile time.</a:t>
             </a:r>
             <a:endParaRPr sz="1600" dirty="0">
               <a:solidFill>
@@ -9876,7 +10615,7 @@
             </a:pPr>
             <a:fld id="{00000000-1234-1234-1234-123412341234}" type="slidenum">
               <a:rPr lang="en"/>
-              <a:t>12</a:t>
+              <a:t>13</a:t>
             </a:fld>
             <a:endParaRPr/>
           </a:p>
@@ -9890,7 +10629,7 @@
 </p:sld>
 </file>
 
-<file path=ppt/slides/slide13.xml><?xml version="1.0" encoding="utf-8"?>
+<file path=ppt/slides/slide14.xml><?xml version="1.0" encoding="utf-8"?>
 <p:sld xmlns:a="http://schemas.openxmlformats.org/drawingml/2006/main" xmlns:r="http://schemas.openxmlformats.org/officeDocument/2006/relationships" xmlns:p="http://schemas.openxmlformats.org/presentationml/2006/main">
   <p:cSld>
     <p:bg>
@@ -10006,7 +10745,7 @@
             </a:pPr>
             <a:fld id="{00000000-1234-1234-1234-123412341234}" type="slidenum">
               <a:rPr lang="en"/>
-              <a:t>13</a:t>
+              <a:t>14</a:t>
             </a:fld>
             <a:endParaRPr/>
           </a:p>
@@ -10020,7 +10759,7 @@
 </p:sld>
 </file>
 
-<file path=ppt/slides/slide14.xml><?xml version="1.0" encoding="utf-8"?>
+<file path=ppt/slides/slide15.xml><?xml version="1.0" encoding="utf-8"?>
 <p:sld xmlns:a="http://schemas.openxmlformats.org/drawingml/2006/main" xmlns:r="http://schemas.openxmlformats.org/officeDocument/2006/relationships" xmlns:p="http://schemas.openxmlformats.org/presentationml/2006/main">
   <p:cSld>
     <p:bg>
@@ -10272,21 +11011,6 @@
               </a:rPr>
               <a:t>linkedin.com/in/ashishrana160796</a:t>
             </a:r>
-          </a:p>
-          <a:p>
-            <a:pPr lvl="0"/>
-            <a:r>
-              <a:rPr lang="en-US" dirty="0">
-                <a:solidFill>
-                  <a:srgbClr val="FFFFFF"/>
-                </a:solidFill>
-                <a:latin typeface="Muli"/>
-                <a:ea typeface="Muli"/>
-                <a:cs typeface="Muli"/>
-                <a:sym typeface="Muli"/>
-              </a:rPr>
-              <a:t>github.com/ashishrana160796</a:t>
-            </a:r>
             <a:endParaRPr dirty="0">
               <a:solidFill>
                 <a:srgbClr val="FFFFFF"/>
@@ -10335,7 +11059,7 @@
             </a:pPr>
             <a:fld id="{00000000-1234-1234-1234-123412341234}" type="slidenum">
               <a:rPr lang="en"/>
-              <a:t>14</a:t>
+              <a:t>15</a:t>
             </a:fld>
             <a:endParaRPr/>
           </a:p>
@@ -10876,7 +11600,7 @@
           <a:p>
             <a:r>
               <a:rPr lang="en-US" sz="2400" dirty="0"/>
-              <a:t>TARGETTED PROBLEMS</a:t>
+              <a:t>TARGETTED IMPORTANT PROBLEMS</a:t>
             </a:r>
           </a:p>
         </p:txBody>
@@ -15470,13 +16194,22 @@
               <a:buChar char="•"/>
             </a:pPr>
             <a:r>
+              <a:rPr lang="en-US" dirty="0" err="1">
+                <a:solidFill>
+                  <a:schemeClr val="bg1"/>
+                </a:solidFill>
+                <a:latin typeface="Muli" panose="020B0604020202020204" charset="0"/>
+              </a:rPr>
+              <a:t>pmd</a:t>
+            </a:r>
+            <a:r>
               <a:rPr lang="en-US" dirty="0">
                 <a:solidFill>
                   <a:schemeClr val="bg1"/>
                 </a:solidFill>
                 <a:latin typeface="Muli" panose="020B0604020202020204" charset="0"/>
               </a:rPr>
-              <a:t>pmd &amp; cpd are separate tools to be used on command line interface, UI based interaction Eclipse Plugin.</a:t>
+              <a:t> &amp; cpd are separate tools to be used on command line interface, UI based interaction Eclipse Plugin.</a:t>
             </a:r>
           </a:p>
           <a:p>
